--- a/presentaciones/S03-New/16_dplyr.pptx
+++ b/presentaciones/S03-New/16_dplyr.pptx
@@ -16,6 +16,10 @@
     <p:sldId id="264" r:id="rId10"/>
     <p:sldId id="265" r:id="rId11"/>
     <p:sldId id="266" r:id="rId12"/>
+    <p:sldId id="267" r:id="rId13"/>
+    <p:sldId id="268" r:id="rId14"/>
+    <p:sldId id="269" r:id="rId15"/>
+    <p:sldId id="270" r:id="rId16"/>
   </p:sldIdLst>
   <p:sldSz cx="12192000" cy="6858000"/>
   <p:notesSz cx="6858000" cy="9144000"/>
@@ -4455,6 +4459,413 @@
 3 New Hampshire  NH     Northeast    1316470     5 0.3798036
 4  North Dakota  ND North Central     672591     4 0.5947151
 5       Vermont  VT     Northeast     625741     2 0.3196211</a:t>
+            </a:r>
+          </a:p>
+        </p:txBody>
+      </p:sp>
+    </p:spTree>
+  </p:cSld>
+</p:sld>
+</file>
+
+<file path=ppt/slides/slide12.xml><?xml version="1.0" encoding="utf-8"?>
+<p:sld xmlns:a="http://schemas.openxmlformats.org/drawingml/2006/main" xmlns:r="http://schemas.openxmlformats.org/officeDocument/2006/relationships" xmlns:p="http://schemas.openxmlformats.org/presentationml/2006/main">
+  <p:cSld>
+    <p:spTree>
+      <p:nvGrpSpPr>
+        <p:cNvPr id="1" name=""/>
+        <p:cNvGrpSpPr/>
+        <p:nvPr/>
+      </p:nvGrpSpPr>
+      <p:grpSpPr>
+        <a:xfrm>
+          <a:off x="0" y="0"/>
+          <a:ext cx="0" cy="0"/>
+          <a:chOff x="0" y="0"/>
+          <a:chExt cx="0" cy="0"/>
+        </a:xfrm>
+      </p:grpSpPr>
+      <p:sp>
+        <p:nvSpPr>
+          <p:cNvPr id="2" name="Title 1"/>
+          <p:cNvSpPr>
+            <a:spLocks noGrp="1"/>
+          </p:cNvSpPr>
+          <p:nvPr>
+            <p:ph type="title"/>
+          </p:nvPr>
+        </p:nvSpPr>
+        <p:spPr/>
+        <p:txBody>
+          <a:bodyPr/>
+          <a:lstStyle/>
+          <a:p>
+            <a:pPr lvl="0" indent="0" marL="0">
+              <a:buNone/>
+            </a:pPr>
+            <a:r>
+              <a:rPr/>
+              <a:t>Función select()</a:t>
+            </a:r>
+          </a:p>
+        </p:txBody>
+      </p:sp>
+      <p:sp>
+        <p:nvSpPr>
+          <p:cNvPr id="3" name="Content Placeholder 2"/>
+          <p:cNvSpPr>
+            <a:spLocks noGrp="1"/>
+          </p:cNvSpPr>
+          <p:nvPr>
+            <p:ph idx="1"/>
+          </p:nvPr>
+        </p:nvSpPr>
+        <p:spPr/>
+        <p:txBody>
+          <a:bodyPr/>
+          <a:lstStyle/>
+          <a:p>
+            <a:pPr lvl="0" indent="0" marL="0">
+              <a:buNone/>
+            </a:pPr>
+            <a:r>
+              <a:rPr/>
+              <a:t>Aunque nuestra tabla de datos solo tiene seis columnas, algunas tablas de datos incluyen cientos. Si queremos ver algunas, podemos usar la función dplyr select().</a:t>
+            </a:r>
+          </a:p>
+          <a:p>
+            <a:pPr lvl="0" indent="0" marL="0">
+              <a:buNone/>
+            </a:pPr>
+            <a:r>
+              <a:rPr/>
+              <a:t>En el siguiente código seleccionamos tres columnas, asignamos esto a un nuevo objeto y luego filtramos el nuevo objeto:</a:t>
+            </a:r>
+          </a:p>
+        </p:txBody>
+      </p:sp>
+    </p:spTree>
+  </p:cSld>
+</p:sld>
+</file>
+
+<file path=ppt/slides/slide13.xml><?xml version="1.0" encoding="utf-8"?>
+<p:sld xmlns:a="http://schemas.openxmlformats.org/drawingml/2006/main" xmlns:r="http://schemas.openxmlformats.org/officeDocument/2006/relationships" xmlns:p="http://schemas.openxmlformats.org/presentationml/2006/main">
+  <p:cSld>
+    <p:spTree>
+      <p:nvGrpSpPr>
+        <p:cNvPr id="1" name=""/>
+        <p:cNvGrpSpPr/>
+        <p:nvPr/>
+      </p:nvGrpSpPr>
+      <p:grpSpPr>
+        <a:xfrm>
+          <a:off x="0" y="0"/>
+          <a:ext cx="0" cy="0"/>
+          <a:chOff x="0" y="0"/>
+          <a:chExt cx="0" cy="0"/>
+        </a:xfrm>
+      </p:grpSpPr>
+      <p:sp>
+        <p:nvSpPr>
+          <p:cNvPr id="2" name="Title 1"/>
+          <p:cNvSpPr>
+            <a:spLocks noGrp="1"/>
+          </p:cNvSpPr>
+          <p:nvPr>
+            <p:ph type="title"/>
+          </p:nvPr>
+        </p:nvSpPr>
+        <p:spPr/>
+        <p:txBody>
+          <a:bodyPr/>
+          <a:lstStyle/>
+          <a:p>
+            <a:pPr lvl="0" indent="0" marL="0">
+              <a:buNone/>
+            </a:pPr>
+            <a:r>
+              <a:rPr/>
+              <a:t>Código</a:t>
+            </a:r>
+          </a:p>
+        </p:txBody>
+      </p:sp>
+      <p:sp>
+        <p:nvSpPr>
+          <p:cNvPr id="3" name="Content Placeholder 2"/>
+          <p:cNvSpPr>
+            <a:spLocks noGrp="1"/>
+          </p:cNvSpPr>
+          <p:nvPr>
+            <p:ph idx="1"/>
+          </p:nvPr>
+        </p:nvSpPr>
+        <p:spPr/>
+        <p:txBody>
+          <a:bodyPr/>
+          <a:lstStyle/>
+          <a:p>
+            <a:pPr lvl="0" indent="0">
+              <a:buNone/>
+            </a:pPr>
+            <a:r>
+              <a:rPr>
+                <a:solidFill>
+                  <a:srgbClr val="003B4F"/>
+                </a:solidFill>
+                <a:latin typeface="Courier"/>
+              </a:rPr>
+              <a:t>new_table &lt;- </a:t>
+            </a:r>
+            <a:r>
+              <a:rPr>
+                <a:solidFill>
+                  <a:srgbClr val="4758AB"/>
+                </a:solidFill>
+                <a:latin typeface="Courier"/>
+              </a:rPr>
+              <a:t>select</a:t>
+            </a:r>
+            <a:r>
+              <a:rPr>
+                <a:solidFill>
+                  <a:srgbClr val="003B4F"/>
+                </a:solidFill>
+                <a:latin typeface="Courier"/>
+              </a:rPr>
+              <a:t>(murders, state, region, rate)</a:t>
+            </a:r>
+            <a:br/>
+            <a:r>
+              <a:rPr>
+                <a:solidFill>
+                  <a:srgbClr val="4758AB"/>
+                </a:solidFill>
+                <a:latin typeface="Courier"/>
+              </a:rPr>
+              <a:t>filter</a:t>
+            </a:r>
+            <a:r>
+              <a:rPr>
+                <a:solidFill>
+                  <a:srgbClr val="003B4F"/>
+                </a:solidFill>
+                <a:latin typeface="Courier"/>
+              </a:rPr>
+              <a:t>(new_table, rate </a:t>
+            </a:r>
+            <a:r>
+              <a:rPr>
+                <a:solidFill>
+                  <a:srgbClr val="5E5E5E"/>
+                </a:solidFill>
+                <a:latin typeface="Courier"/>
+              </a:rPr>
+              <a:t>&lt;=</a:t>
+            </a:r>
+            <a:r>
+              <a:rPr>
+                <a:solidFill>
+                  <a:srgbClr val="003B4F"/>
+                </a:solidFill>
+                <a:latin typeface="Courier"/>
+              </a:rPr>
+              <a:t> </a:t>
+            </a:r>
+            <a:r>
+              <a:rPr>
+                <a:solidFill>
+                  <a:srgbClr val="AD0000"/>
+                </a:solidFill>
+                <a:latin typeface="Courier"/>
+              </a:rPr>
+              <a:t>0.71</a:t>
+            </a:r>
+            <a:r>
+              <a:rPr>
+                <a:solidFill>
+                  <a:srgbClr val="003B4F"/>
+                </a:solidFill>
+                <a:latin typeface="Courier"/>
+              </a:rPr>
+              <a:t>)</a:t>
+            </a:r>
+          </a:p>
+          <a:p>
+            <a:pPr lvl="0" indent="0">
+              <a:buNone/>
+            </a:pPr>
+            <a:r>
+              <a:rPr>
+                <a:latin typeface="Courier"/>
+              </a:rPr>
+              <a:t>          state        region      rate
+1        Hawaii          West 0.5145920
+2          Iowa North Central 0.6893484
+3 New Hampshire     Northeast 0.3798036
+4  North Dakota North Central 0.5947151
+5       Vermont     Northeast 0.3196211</a:t>
+            </a:r>
+          </a:p>
+        </p:txBody>
+      </p:sp>
+    </p:spTree>
+  </p:cSld>
+</p:sld>
+</file>
+
+<file path=ppt/slides/slide14.xml><?xml version="1.0" encoding="utf-8"?>
+<p:sld xmlns:a="http://schemas.openxmlformats.org/drawingml/2006/main" xmlns:r="http://schemas.openxmlformats.org/officeDocument/2006/relationships" xmlns:p="http://schemas.openxmlformats.org/presentationml/2006/main">
+  <p:cSld>
+    <p:spTree>
+      <p:nvGrpSpPr>
+        <p:cNvPr id="1" name=""/>
+        <p:cNvGrpSpPr/>
+        <p:nvPr/>
+      </p:nvGrpSpPr>
+      <p:grpSpPr>
+        <a:xfrm>
+          <a:off x="0" y="0"/>
+          <a:ext cx="0" cy="0"/>
+          <a:chOff x="0" y="0"/>
+          <a:chExt cx="0" cy="0"/>
+        </a:xfrm>
+      </p:grpSpPr>
+      <p:sp>
+        <p:nvSpPr>
+          <p:cNvPr id="2" name="Title 1"/>
+          <p:cNvSpPr>
+            <a:spLocks noGrp="1"/>
+          </p:cNvSpPr>
+          <p:nvPr>
+            <p:ph type="title"/>
+          </p:nvPr>
+        </p:nvSpPr>
+        <p:spPr/>
+        <p:txBody>
+          <a:bodyPr/>
+          <a:lstStyle/>
+          <a:p>
+            <a:pPr lvl="0" indent="0" marL="0">
+              <a:buNone/>
+            </a:pPr>
+            <a:r>
+              <a:rPr/>
+              <a:t>Operadores de tuberia</a:t>
+            </a:r>
+          </a:p>
+        </p:txBody>
+      </p:sp>
+      <p:sp>
+        <p:nvSpPr>
+          <p:cNvPr id="3" name="Content Placeholder 2"/>
+          <p:cNvSpPr>
+            <a:spLocks noGrp="1"/>
+          </p:cNvSpPr>
+          <p:nvPr>
+            <p:ph idx="1"/>
+          </p:nvPr>
+        </p:nvSpPr>
+        <p:spPr/>
+        <p:txBody>
+          <a:bodyPr/>
+          <a:lstStyle/>
+          <a:p>
+            <a:pPr lvl="0" indent="0" marL="0">
+              <a:buNone/>
+            </a:pPr>
+            <a:r>
+              <a:rPr/>
+              <a:t>Con dplyr podemos realizar una serie de operaciones, por ejemplo, seleccionar y luego filtrar, enviando los resultados de una función a otra y así sucesivamente utilizando lo que se llama operador de tubería o pipes en inglés: %&gt;%.</a:t>
+            </a:r>
+          </a:p>
+        </p:txBody>
+      </p:sp>
+    </p:spTree>
+  </p:cSld>
+</p:sld>
+</file>
+
+<file path=ppt/slides/slide15.xml><?xml version="1.0" encoding="utf-8"?>
+<p:sld xmlns:a="http://schemas.openxmlformats.org/drawingml/2006/main" xmlns:r="http://schemas.openxmlformats.org/officeDocument/2006/relationships" xmlns:p="http://schemas.openxmlformats.org/presentationml/2006/main">
+  <p:cSld>
+    <p:spTree>
+      <p:nvGrpSpPr>
+        <p:cNvPr id="1" name=""/>
+        <p:cNvGrpSpPr/>
+        <p:nvPr/>
+      </p:nvGrpSpPr>
+      <p:grpSpPr>
+        <a:xfrm>
+          <a:off x="0" y="0"/>
+          <a:ext cx="0" cy="0"/>
+          <a:chOff x="0" y="0"/>
+          <a:chExt cx="0" cy="0"/>
+        </a:xfrm>
+      </p:grpSpPr>
+      <p:sp>
+        <p:nvSpPr>
+          <p:cNvPr id="2" name="Title 1"/>
+          <p:cNvSpPr>
+            <a:spLocks noGrp="1"/>
+          </p:cNvSpPr>
+          <p:nvPr>
+            <p:ph type="title"/>
+          </p:nvPr>
+        </p:nvSpPr>
+        <p:spPr/>
+        <p:txBody>
+          <a:bodyPr/>
+          <a:lstStyle/>
+          <a:p>
+            <a:pPr lvl="0" indent="0" marL="0">
+              <a:buNone/>
+            </a:pPr>
+            <a:r>
+              <a:rPr/>
+              <a:t>%&gt;%</a:t>
+            </a:r>
+          </a:p>
+        </p:txBody>
+      </p:sp>
+      <p:sp>
+        <p:nvSpPr>
+          <p:cNvPr id="3" name="Content Placeholder 2"/>
+          <p:cNvSpPr>
+            <a:spLocks noGrp="1"/>
+          </p:cNvSpPr>
+          <p:nvPr>
+            <p:ph idx="1"/>
+          </p:nvPr>
+        </p:nvSpPr>
+        <p:spPr/>
+        <p:txBody>
+          <a:bodyPr/>
+          <a:lstStyle/>
+          <a:p>
+            <a:pPr lvl="0" indent="0" marL="0">
+              <a:buNone/>
+            </a:pPr>
+            <a:r>
+              <a:rPr/>
+              <a:t>Escribimos el código anterior para mostrar tres variables (estado, región, tasa) para los estados que tienen tasas de homicidio por debajo de 0,71. Para hacer esto, definimos el objeto intermedio new_table. En dplyr podemos escribir código que se parezca más a una descripción de lo que queremos hacer sin objetos intermedios:</a:t>
+            </a:r>
+          </a:p>
+          <a:p>
+            <a:pPr lvl="0"/>
+            <a:r>
+              <a:rPr/>
+              <a:t>original data → select → filter</a:t>
+            </a:r>
+          </a:p>
+          <a:p>
+            <a:pPr lvl="0" indent="0" marL="0">
+              <a:buNone/>
+            </a:pPr>
+            <a:r>
+              <a:rPr/>
+              <a:t>Para tal operación, podemos usar la tubería%&gt;% (pipes). El código se ve así:</a:t>
             </a:r>
           </a:p>
         </p:txBody>
